--- a/Slides/COMMON UI mistakes.pptx
+++ b/Slides/COMMON UI mistakes.pptx
@@ -28,6 +28,13 @@
     <p:sldId id="277" r:id="rId22"/>
     <p:sldId id="278" r:id="rId23"/>
     <p:sldId id="279" r:id="rId24"/>
+    <p:sldId id="280" r:id="rId25"/>
+    <p:sldId id="286" r:id="rId26"/>
+    <p:sldId id="281" r:id="rId27"/>
+    <p:sldId id="282" r:id="rId28"/>
+    <p:sldId id="283" r:id="rId29"/>
+    <p:sldId id="284" r:id="rId30"/>
+    <p:sldId id="285" r:id="rId31"/>
   </p:sldIdLst>
   <p:sldSz cx="12192000" cy="6858000"/>
   <p:notesSz cx="6858000" cy="9144000"/>
@@ -223,7 +230,7 @@
           </a:lstStyle>
           <a:p>
             <a:r>
-              <a:rPr lang="en-US" smtClean="0"/>
+              <a:rPr lang="en-US"/>
               <a:t>Click to edit Master title style</a:t>
             </a:r>
             <a:endParaRPr lang="en-US" dirty="0"/>
@@ -342,7 +349,7 @@
           </a:lstStyle>
           <a:p>
             <a:r>
-              <a:rPr lang="en-US" smtClean="0"/>
+              <a:rPr lang="en-US"/>
               <a:t>Click to edit Master subtitle style</a:t>
             </a:r>
             <a:endParaRPr lang="en-US" dirty="0"/>
@@ -372,7 +379,7 @@
           <a:p>
             <a:fld id="{ED291B17-9318-49DB-B28B-6E5994AE9581}" type="datetime1">
               <a:rPr lang="en-US" smtClean="0"/>
-              <a:t>12-Apr-20</a:t>
+              <a:t>24-Oct-21</a:t>
             </a:fld>
             <a:endParaRPr lang="en-US" dirty="0"/>
           </a:p>
@@ -483,7 +490,7 @@
           <a:lstStyle/>
           <a:p>
             <a:r>
-              <a:rPr lang="en-US" smtClean="0"/>
+              <a:rPr lang="en-US"/>
               <a:t>Click to edit Master title style</a:t>
             </a:r>
             <a:endParaRPr lang="en-US" dirty="0"/>
@@ -523,35 +530,35 @@
           <a:p>
             <a:pPr lvl="0"/>
             <a:r>
-              <a:rPr lang="en-US" smtClean="0"/>
+              <a:rPr lang="en-US"/>
               <a:t>Edit Master text styles</a:t>
             </a:r>
           </a:p>
           <a:p>
             <a:pPr lvl="1"/>
             <a:r>
-              <a:rPr lang="en-US" smtClean="0"/>
+              <a:rPr lang="en-US"/>
               <a:t>Second level</a:t>
             </a:r>
           </a:p>
           <a:p>
             <a:pPr lvl="2"/>
             <a:r>
-              <a:rPr lang="en-US" smtClean="0"/>
+              <a:rPr lang="en-US"/>
               <a:t>Third level</a:t>
             </a:r>
           </a:p>
           <a:p>
             <a:pPr lvl="3"/>
             <a:r>
-              <a:rPr lang="en-US" smtClean="0"/>
+              <a:rPr lang="en-US"/>
               <a:t>Fourth level</a:t>
             </a:r>
           </a:p>
           <a:p>
             <a:pPr lvl="4"/>
             <a:r>
-              <a:rPr lang="en-US" smtClean="0"/>
+              <a:rPr lang="en-US"/>
               <a:t>Fifth level</a:t>
             </a:r>
             <a:endParaRPr lang="en-US" dirty="0"/>
@@ -575,7 +582,7 @@
           <a:p>
             <a:fld id="{2CED4963-E985-44C4-B8C4-FDD613B7C2F8}" type="datetime1">
               <a:rPr lang="en-US" smtClean="0"/>
-              <a:t>12-Apr-20</a:t>
+              <a:t>24-Oct-21</a:t>
             </a:fld>
             <a:endParaRPr lang="en-US" dirty="0"/>
           </a:p>
@@ -721,7 +728,7 @@
           </a:lstStyle>
           <a:p>
             <a:r>
-              <a:rPr lang="en-US" smtClean="0"/>
+              <a:rPr lang="en-US"/>
               <a:t>Click to edit Master title style</a:t>
             </a:r>
             <a:endParaRPr lang="en-US" dirty="0"/>
@@ -750,35 +757,35 @@
           <a:p>
             <a:pPr lvl="0"/>
             <a:r>
-              <a:rPr lang="en-US" smtClean="0"/>
+              <a:rPr lang="en-US"/>
               <a:t>Edit Master text styles</a:t>
             </a:r>
           </a:p>
           <a:p>
             <a:pPr lvl="1"/>
             <a:r>
-              <a:rPr lang="en-US" smtClean="0"/>
+              <a:rPr lang="en-US"/>
               <a:t>Second level</a:t>
             </a:r>
           </a:p>
           <a:p>
             <a:pPr lvl="2"/>
             <a:r>
-              <a:rPr lang="en-US" smtClean="0"/>
+              <a:rPr lang="en-US"/>
               <a:t>Third level</a:t>
             </a:r>
           </a:p>
           <a:p>
             <a:pPr lvl="3"/>
             <a:r>
-              <a:rPr lang="en-US" smtClean="0"/>
+              <a:rPr lang="en-US"/>
               <a:t>Fourth level</a:t>
             </a:r>
           </a:p>
           <a:p>
             <a:pPr lvl="4"/>
             <a:r>
-              <a:rPr lang="en-US" smtClean="0"/>
+              <a:rPr lang="en-US"/>
               <a:t>Fifth level</a:t>
             </a:r>
             <a:endParaRPr lang="en-US" dirty="0"/>
@@ -937,7 +944,7 @@
           <a:p>
             <a:fld id="{ED291B17-9318-49DB-B28B-6E5994AE9581}" type="datetime1">
               <a:rPr lang="en-US" smtClean="0"/>
-              <a:t>12-Apr-20</a:t>
+              <a:t>24-Oct-21</a:t>
             </a:fld>
             <a:endParaRPr lang="en-US" dirty="0"/>
           </a:p>
@@ -1052,10 +1059,9 @@
           </a:lstStyle>
           <a:p>
             <a:r>
-              <a:rPr lang="en-US" dirty="0" smtClean="0"/>
+              <a:rPr lang="en-US" dirty="0"/>
               <a:t>Click to edit Master title style</a:t>
             </a:r>
-            <a:endParaRPr lang="en-US" dirty="0"/>
           </a:p>
         </p:txBody>
       </p:sp>
@@ -1097,38 +1103,37 @@
           <a:p>
             <a:pPr lvl="0"/>
             <a:r>
-              <a:rPr lang="en-US" dirty="0" smtClean="0"/>
+              <a:rPr lang="en-US" dirty="0"/>
               <a:t>Edit Master text styles</a:t>
             </a:r>
           </a:p>
           <a:p>
             <a:pPr lvl="1"/>
             <a:r>
-              <a:rPr lang="en-US" dirty="0" smtClean="0"/>
+              <a:rPr lang="en-US" dirty="0"/>
               <a:t>Second level</a:t>
             </a:r>
           </a:p>
           <a:p>
             <a:pPr lvl="2"/>
             <a:r>
-              <a:rPr lang="en-US" dirty="0" smtClean="0"/>
+              <a:rPr lang="en-US" dirty="0"/>
               <a:t>Third level</a:t>
             </a:r>
           </a:p>
           <a:p>
             <a:pPr lvl="3"/>
             <a:r>
-              <a:rPr lang="en-US" dirty="0" smtClean="0"/>
+              <a:rPr lang="en-US" dirty="0"/>
               <a:t>Fourth level</a:t>
             </a:r>
           </a:p>
           <a:p>
             <a:pPr lvl="4"/>
             <a:r>
-              <a:rPr lang="en-US" dirty="0" smtClean="0"/>
+              <a:rPr lang="en-US" dirty="0"/>
               <a:t>Fifth level</a:t>
             </a:r>
-            <a:endParaRPr lang="en-US" dirty="0"/>
           </a:p>
         </p:txBody>
       </p:sp>
@@ -1155,7 +1160,7 @@
           <a:p>
             <a:fld id="{78DD82B9-B8EE-4375-B6FF-88FA6ABB15D9}" type="datetime1">
               <a:rPr lang="en-US" smtClean="0"/>
-              <a:t>12-Apr-20</a:t>
+              <a:t>24-Oct-21</a:t>
             </a:fld>
             <a:endParaRPr lang="en-US" dirty="0"/>
           </a:p>
@@ -1318,7 +1323,7 @@
           </a:lstStyle>
           <a:p>
             <a:r>
-              <a:rPr lang="en-US" smtClean="0"/>
+              <a:rPr lang="en-US"/>
               <a:t>Click to edit Master title style</a:t>
             </a:r>
             <a:endParaRPr lang="en-US" dirty="0"/>
@@ -1438,7 +1443,7 @@
           <a:p>
             <a:pPr lvl="0"/>
             <a:r>
-              <a:rPr lang="en-US" smtClean="0"/>
+              <a:rPr lang="en-US"/>
               <a:t>Edit Master text styles</a:t>
             </a:r>
           </a:p>
@@ -1467,7 +1472,7 @@
           <a:p>
             <a:fld id="{B2497495-0637-405E-AE64-5CC7506D51F5}" type="datetime1">
               <a:rPr lang="en-US" smtClean="0"/>
-              <a:t>12-Apr-20</a:t>
+              <a:t>24-Oct-21</a:t>
             </a:fld>
             <a:endParaRPr lang="en-US" dirty="0"/>
           </a:p>
@@ -1578,7 +1583,7 @@
           <a:lstStyle/>
           <a:p>
             <a:r>
-              <a:rPr lang="en-US" smtClean="0"/>
+              <a:rPr lang="en-US"/>
               <a:t>Click to edit Master title style</a:t>
             </a:r>
             <a:endParaRPr lang="en-US" dirty="0"/>
@@ -1609,35 +1614,35 @@
           <a:p>
             <a:pPr lvl="0"/>
             <a:r>
-              <a:rPr lang="en-US" smtClean="0"/>
+              <a:rPr lang="en-US"/>
               <a:t>Edit Master text styles</a:t>
             </a:r>
           </a:p>
           <a:p>
             <a:pPr lvl="1"/>
             <a:r>
-              <a:rPr lang="en-US" smtClean="0"/>
+              <a:rPr lang="en-US"/>
               <a:t>Second level</a:t>
             </a:r>
           </a:p>
           <a:p>
             <a:pPr lvl="2"/>
             <a:r>
-              <a:rPr lang="en-US" smtClean="0"/>
+              <a:rPr lang="en-US"/>
               <a:t>Third level</a:t>
             </a:r>
           </a:p>
           <a:p>
             <a:pPr lvl="3"/>
             <a:r>
-              <a:rPr lang="en-US" smtClean="0"/>
+              <a:rPr lang="en-US"/>
               <a:t>Fourth level</a:t>
             </a:r>
           </a:p>
           <a:p>
             <a:pPr lvl="4"/>
             <a:r>
-              <a:rPr lang="en-US" smtClean="0"/>
+              <a:rPr lang="en-US"/>
               <a:t>Fifth level</a:t>
             </a:r>
             <a:endParaRPr lang="en-US" dirty="0"/>
@@ -1668,35 +1673,35 @@
           <a:p>
             <a:pPr lvl="0"/>
             <a:r>
-              <a:rPr lang="en-US" smtClean="0"/>
+              <a:rPr lang="en-US"/>
               <a:t>Edit Master text styles</a:t>
             </a:r>
           </a:p>
           <a:p>
             <a:pPr lvl="1"/>
             <a:r>
-              <a:rPr lang="en-US" smtClean="0"/>
+              <a:rPr lang="en-US"/>
               <a:t>Second level</a:t>
             </a:r>
           </a:p>
           <a:p>
             <a:pPr lvl="2"/>
             <a:r>
-              <a:rPr lang="en-US" smtClean="0"/>
+              <a:rPr lang="en-US"/>
               <a:t>Third level</a:t>
             </a:r>
           </a:p>
           <a:p>
             <a:pPr lvl="3"/>
             <a:r>
-              <a:rPr lang="en-US" smtClean="0"/>
+              <a:rPr lang="en-US"/>
               <a:t>Fourth level</a:t>
             </a:r>
           </a:p>
           <a:p>
             <a:pPr lvl="4"/>
             <a:r>
-              <a:rPr lang="en-US" smtClean="0"/>
+              <a:rPr lang="en-US"/>
               <a:t>Fifth level</a:t>
             </a:r>
             <a:endParaRPr lang="en-US" dirty="0"/>
@@ -1720,7 +1725,7 @@
           <a:p>
             <a:fld id="{7BFFD690-9426-415D-8B65-26881E07B2D4}" type="datetime1">
               <a:rPr lang="en-US" smtClean="0"/>
-              <a:t>12-Apr-20</a:t>
+              <a:t>24-Oct-21</a:t>
             </a:fld>
             <a:endParaRPr lang="en-US" dirty="0"/>
           </a:p>
@@ -1819,7 +1824,7 @@
           <a:lstStyle/>
           <a:p>
             <a:r>
-              <a:rPr lang="en-US" smtClean="0"/>
+              <a:rPr lang="en-US"/>
               <a:t>Click to edit Master title style</a:t>
             </a:r>
             <a:endParaRPr lang="en-US" dirty="0"/>
@@ -1894,7 +1899,7 @@
           <a:p>
             <a:pPr lvl="0"/>
             <a:r>
-              <a:rPr lang="en-US" smtClean="0"/>
+              <a:rPr lang="en-US"/>
               <a:t>Edit Master text styles</a:t>
             </a:r>
           </a:p>
@@ -1924,35 +1929,35 @@
           <a:p>
             <a:pPr lvl="0"/>
             <a:r>
-              <a:rPr lang="en-US" smtClean="0"/>
+              <a:rPr lang="en-US"/>
               <a:t>Edit Master text styles</a:t>
             </a:r>
           </a:p>
           <a:p>
             <a:pPr lvl="1"/>
             <a:r>
-              <a:rPr lang="en-US" smtClean="0"/>
+              <a:rPr lang="en-US"/>
               <a:t>Second level</a:t>
             </a:r>
           </a:p>
           <a:p>
             <a:pPr lvl="2"/>
             <a:r>
-              <a:rPr lang="en-US" smtClean="0"/>
+              <a:rPr lang="en-US"/>
               <a:t>Third level</a:t>
             </a:r>
           </a:p>
           <a:p>
             <a:pPr lvl="3"/>
             <a:r>
-              <a:rPr lang="en-US" smtClean="0"/>
+              <a:rPr lang="en-US"/>
               <a:t>Fourth level</a:t>
             </a:r>
           </a:p>
           <a:p>
             <a:pPr lvl="4"/>
             <a:r>
-              <a:rPr lang="en-US" smtClean="0"/>
+              <a:rPr lang="en-US"/>
               <a:t>Fifth level</a:t>
             </a:r>
             <a:endParaRPr lang="en-US" dirty="0"/>
@@ -2060,7 +2065,7 @@
               <a:defRPr/>
             </a:pPr>
             <a:r>
-              <a:rPr lang="en-US" smtClean="0"/>
+              <a:rPr lang="en-US"/>
               <a:t>Edit Master text styles</a:t>
             </a:r>
           </a:p>
@@ -2090,35 +2095,35 @@
           <a:p>
             <a:pPr lvl="0"/>
             <a:r>
-              <a:rPr lang="en-US" smtClean="0"/>
+              <a:rPr lang="en-US"/>
               <a:t>Edit Master text styles</a:t>
             </a:r>
           </a:p>
           <a:p>
             <a:pPr lvl="1"/>
             <a:r>
-              <a:rPr lang="en-US" smtClean="0"/>
+              <a:rPr lang="en-US"/>
               <a:t>Second level</a:t>
             </a:r>
           </a:p>
           <a:p>
             <a:pPr lvl="2"/>
             <a:r>
-              <a:rPr lang="en-US" smtClean="0"/>
+              <a:rPr lang="en-US"/>
               <a:t>Third level</a:t>
             </a:r>
           </a:p>
           <a:p>
             <a:pPr lvl="3"/>
             <a:r>
-              <a:rPr lang="en-US" smtClean="0"/>
+              <a:rPr lang="en-US"/>
               <a:t>Fourth level</a:t>
             </a:r>
           </a:p>
           <a:p>
             <a:pPr lvl="4"/>
             <a:r>
-              <a:rPr lang="en-US" smtClean="0"/>
+              <a:rPr lang="en-US"/>
               <a:t>Fifth level</a:t>
             </a:r>
             <a:endParaRPr lang="en-US" dirty="0"/>
@@ -2142,7 +2147,7 @@
           <a:p>
             <a:fld id="{04C4989A-474C-40DE-95B9-011C28B71673}" type="datetime1">
               <a:rPr lang="en-US" smtClean="0"/>
-              <a:t>12-Apr-20</a:t>
+              <a:t>24-Oct-21</a:t>
             </a:fld>
             <a:endParaRPr lang="en-US" dirty="0"/>
           </a:p>
@@ -2241,7 +2246,7 @@
           <a:lstStyle/>
           <a:p>
             <a:r>
-              <a:rPr lang="en-US" smtClean="0"/>
+              <a:rPr lang="en-US"/>
               <a:t>Click to edit Master title style</a:t>
             </a:r>
             <a:endParaRPr lang="en-US" dirty="0"/>
@@ -2265,7 +2270,7 @@
           <a:p>
             <a:fld id="{5DB4ED54-5B5E-4A04-93D3-5772E3CE3818}" type="datetime1">
               <a:rPr lang="en-US" smtClean="0"/>
-              <a:t>12-Apr-20</a:t>
+              <a:t>24-Oct-21</a:t>
             </a:fld>
             <a:endParaRPr lang="en-US" dirty="0"/>
           </a:p>
@@ -2360,7 +2365,7 @@
           <a:p>
             <a:fld id="{4EDE50D6-574B-40AF-946F-D52A04ADE379}" type="datetime1">
               <a:rPr lang="en-US" smtClean="0"/>
-              <a:t>12-Apr-20</a:t>
+              <a:t>24-Oct-21</a:t>
             </a:fld>
             <a:endParaRPr lang="en-US" dirty="0"/>
           </a:p>
@@ -2508,7 +2513,7 @@
           </a:lstStyle>
           <a:p>
             <a:r>
-              <a:rPr lang="en-US" smtClean="0"/>
+              <a:rPr lang="en-US"/>
               <a:t>Click to edit Master title style</a:t>
             </a:r>
             <a:endParaRPr lang="en-US" dirty="0"/>
@@ -2603,35 +2608,35 @@
           <a:p>
             <a:pPr lvl="0"/>
             <a:r>
-              <a:rPr lang="en-US" smtClean="0"/>
+              <a:rPr lang="en-US"/>
               <a:t>Edit Master text styles</a:t>
             </a:r>
           </a:p>
           <a:p>
             <a:pPr lvl="1"/>
             <a:r>
-              <a:rPr lang="en-US" smtClean="0"/>
+              <a:rPr lang="en-US"/>
               <a:t>Second level</a:t>
             </a:r>
           </a:p>
           <a:p>
             <a:pPr lvl="2"/>
             <a:r>
-              <a:rPr lang="en-US" smtClean="0"/>
+              <a:rPr lang="en-US"/>
               <a:t>Third level</a:t>
             </a:r>
           </a:p>
           <a:p>
             <a:pPr lvl="3"/>
             <a:r>
-              <a:rPr lang="en-US" smtClean="0"/>
+              <a:rPr lang="en-US"/>
               <a:t>Fourth level</a:t>
             </a:r>
           </a:p>
           <a:p>
             <a:pPr lvl="4"/>
             <a:r>
-              <a:rPr lang="en-US" smtClean="0"/>
+              <a:rPr lang="en-US"/>
               <a:t>Fifth level</a:t>
             </a:r>
             <a:endParaRPr lang="en-US" dirty="0"/>
@@ -2703,7 +2708,7 @@
           <a:p>
             <a:pPr lvl="0"/>
             <a:r>
-              <a:rPr lang="en-US" smtClean="0"/>
+              <a:rPr lang="en-US"/>
               <a:t>Edit Master text styles</a:t>
             </a:r>
           </a:p>
@@ -2737,7 +2742,7 @@
           <a:p>
             <a:fld id="{D82884F1-FFEA-405F-9602-3DCA865EDA4E}" type="datetime1">
               <a:rPr lang="en-US" smtClean="0"/>
-              <a:t>12-Apr-20</a:t>
+              <a:t>24-Oct-21</a:t>
             </a:fld>
             <a:endParaRPr lang="en-US" dirty="0"/>
           </a:p>
@@ -2872,7 +2877,7 @@
           </a:lstStyle>
           <a:p>
             <a:r>
-              <a:rPr lang="en-US" smtClean="0"/>
+              <a:rPr lang="en-US"/>
               <a:t>Click to edit Master title style</a:t>
             </a:r>
             <a:endParaRPr lang="en-US" dirty="0"/>
@@ -2939,7 +2944,7 @@
           </a:lstStyle>
           <a:p>
             <a:r>
-              <a:rPr lang="en-US" smtClean="0"/>
+              <a:rPr lang="en-US"/>
               <a:t>Click icon to add picture</a:t>
             </a:r>
             <a:endParaRPr lang="en-US" dirty="0"/>
@@ -3007,7 +3012,7 @@
           <a:p>
             <a:pPr lvl="0"/>
             <a:r>
-              <a:rPr lang="en-US" smtClean="0"/>
+              <a:rPr lang="en-US"/>
               <a:t>Edit Master text styles</a:t>
             </a:r>
           </a:p>
@@ -3030,7 +3035,7 @@
           <a:p>
             <a:fld id="{7E18DB4A-8810-4A10-AD5C-D5E2C667F5B3}" type="datetime1">
               <a:rPr lang="en-US" smtClean="0"/>
-              <a:t>12-Apr-20</a:t>
+              <a:t>24-Oct-21</a:t>
             </a:fld>
             <a:endParaRPr lang="en-US" dirty="0"/>
           </a:p>
@@ -3140,7 +3145,7 @@
           <a:lstStyle/>
           <a:p>
             <a:r>
-              <a:rPr lang="en-US" smtClean="0"/>
+              <a:rPr lang="en-US"/>
               <a:t>Click to edit Master title style</a:t>
             </a:r>
             <a:endParaRPr lang="en-US" dirty="0"/>
@@ -3174,35 +3179,35 @@
           <a:p>
             <a:pPr lvl="0"/>
             <a:r>
-              <a:rPr lang="en-US" smtClean="0"/>
+              <a:rPr lang="en-US"/>
               <a:t>Edit Master text styles</a:t>
             </a:r>
           </a:p>
           <a:p>
             <a:pPr lvl="1"/>
             <a:r>
-              <a:rPr lang="en-US" smtClean="0"/>
+              <a:rPr lang="en-US"/>
               <a:t>Second level</a:t>
             </a:r>
           </a:p>
           <a:p>
             <a:pPr lvl="2"/>
             <a:r>
-              <a:rPr lang="en-US" smtClean="0"/>
+              <a:rPr lang="en-US"/>
               <a:t>Third level</a:t>
             </a:r>
           </a:p>
           <a:p>
             <a:pPr lvl="3"/>
             <a:r>
-              <a:rPr lang="en-US" smtClean="0"/>
+              <a:rPr lang="en-US"/>
               <a:t>Fourth level</a:t>
             </a:r>
           </a:p>
           <a:p>
             <a:pPr lvl="4"/>
             <a:r>
-              <a:rPr lang="en-US" smtClean="0"/>
+              <a:rPr lang="en-US"/>
               <a:t>Fifth level</a:t>
             </a:r>
             <a:endParaRPr lang="en-US" dirty="0"/>
@@ -3245,7 +3250,7 @@
           <a:p>
             <a:fld id="{ED291B17-9318-49DB-B28B-6E5994AE9581}" type="datetime1">
               <a:rPr lang="en-US" smtClean="0"/>
-              <a:t>12-Apr-20</a:t>
+              <a:t>24-Oct-21</a:t>
             </a:fld>
             <a:endParaRPr lang="en-US" dirty="0"/>
           </a:p>
@@ -3893,7 +3898,7 @@
                 <a16:creationId xmlns:a16="http://schemas.microsoft.com/office/drawing/2014/main" id="{D6D7A0BC-0046-4CAA-8E7F-DCAFE511EA0E}"/>
               </a:ext>
               <a:ext uri="{C183D7F6-B498-43B3-948B-1728B52AA6E4}">
-                <adec:decorative xmlns:adec="http://schemas.microsoft.com/office/drawing/2017/decorative" xmlns="" val="1"/>
+                <adec:decorative xmlns:adec="http://schemas.microsoft.com/office/drawing/2017/decorative" val="1"/>
               </a:ext>
             </a:extLst>
           </p:cNvPr>
@@ -3974,10 +3979,9 @@
           <a:lstStyle/>
           <a:p>
             <a:r>
-              <a:rPr lang="en-US" dirty="0" smtClean="0"/>
+              <a:rPr lang="en-US" dirty="0"/>
               <a:t>COMMON UI mistakes</a:t>
             </a:r>
-            <a:endParaRPr lang="en-US" dirty="0"/>
           </a:p>
         </p:txBody>
       </p:sp>
@@ -4010,10 +4014,9 @@
           <a:lstStyle/>
           <a:p>
             <a:r>
-              <a:rPr lang="en-US" dirty="0" smtClean="0"/>
+              <a:rPr lang="en-US" dirty="0"/>
               <a:t>When making prototype, avoid these</a:t>
             </a:r>
-            <a:endParaRPr lang="en-US" dirty="0"/>
           </a:p>
         </p:txBody>
       </p:sp>
@@ -4025,7 +4028,7 @@
                 <a16:creationId xmlns:a16="http://schemas.microsoft.com/office/drawing/2014/main" id="{E7C6334F-6411-41EC-AD7D-179EDD8B58CB}"/>
               </a:ext>
               <a:ext uri="{C183D7F6-B498-43B3-948B-1728B52AA6E4}">
-                <adec:decorative xmlns:adec="http://schemas.microsoft.com/office/drawing/2017/decorative" xmlns="" val="1"/>
+                <adec:decorative xmlns:adec="http://schemas.microsoft.com/office/drawing/2017/decorative" val="1"/>
               </a:ext>
             </a:extLst>
           </p:cNvPr>
@@ -4079,7 +4082,7 @@
                 <a16:creationId xmlns:a16="http://schemas.microsoft.com/office/drawing/2014/main" id="{E6B02CEE-3AF8-4349-9B3E-8970E6DF62B3}"/>
               </a:ext>
               <a:ext uri="{C183D7F6-B498-43B3-948B-1728B52AA6E4}">
-                <adec:decorative xmlns:adec="http://schemas.microsoft.com/office/drawing/2017/decorative" xmlns="" val="1"/>
+                <adec:decorative xmlns:adec="http://schemas.microsoft.com/office/drawing/2017/decorative" val="1"/>
               </a:ext>
             </a:extLst>
           </p:cNvPr>
@@ -4133,7 +4136,7 @@
                 <a16:creationId xmlns:a16="http://schemas.microsoft.com/office/drawing/2014/main" id="{AAA01CF0-3FB5-44EB-B7DE-F2E86374C2FB}"/>
               </a:ext>
               <a:ext uri="{C183D7F6-B498-43B3-948B-1728B52AA6E4}">
-                <adec:decorative xmlns:adec="http://schemas.microsoft.com/office/drawing/2017/decorative" xmlns="" val="1"/>
+                <adec:decorative xmlns:adec="http://schemas.microsoft.com/office/drawing/2017/decorative" val="1"/>
               </a:ext>
             </a:extLst>
           </p:cNvPr>
@@ -4237,7 +4240,7 @@
           <a:lstStyle/>
           <a:p>
             <a:r>
-              <a:rPr lang="en-US" dirty="0" smtClean="0"/>
+              <a:rPr lang="en-US" dirty="0"/>
               <a:t>*pictures taken from: </a:t>
             </a:r>
             <a:r>
@@ -4260,13 +4263,6 @@
   <p:clrMapOvr>
     <a:masterClrMapping/>
   </p:clrMapOvr>
-  <p:timing>
-    <p:tnLst>
-      <p:par>
-        <p:cTn id="1" dur="indefinite" restart="never" nodeType="tmRoot"/>
-      </p:par>
-    </p:tnLst>
-  </p:timing>
 </p:sld>
 </file>
 
@@ -4345,13 +4341,6 @@
   <p:clrMapOvr>
     <a:masterClrMapping/>
   </p:clrMapOvr>
-  <p:timing>
-    <p:tnLst>
-      <p:par>
-        <p:cTn id="1" dur="indefinite" restart="never" nodeType="tmRoot"/>
-      </p:par>
-    </p:tnLst>
-  </p:timing>
 </p:sld>
 </file>
 
@@ -4388,10 +4377,9 @@
           <a:lstStyle/>
           <a:p>
             <a:r>
-              <a:rPr lang="en-US" dirty="0" smtClean="0"/>
+              <a:rPr lang="en-US" dirty="0"/>
               <a:t>Lack of text hierarchy</a:t>
             </a:r>
-            <a:endParaRPr lang="en-US" dirty="0"/>
           </a:p>
         </p:txBody>
       </p:sp>
@@ -4426,13 +4414,8 @@
           <a:p>
             <a:r>
               <a:rPr lang="en-US" dirty="0"/>
-              <a:t>Use adequate </a:t>
-            </a:r>
-            <a:r>
-              <a:rPr lang="en-US" dirty="0" smtClean="0"/>
-              <a:t>spacing.</a:t>
-            </a:r>
-            <a:endParaRPr lang="en-US" dirty="0"/>
+              <a:t>Use adequate spacing.</a:t>
+            </a:r>
           </a:p>
           <a:p>
             <a:r>
@@ -4455,13 +4438,6 @@
   <p:clrMapOvr>
     <a:masterClrMapping/>
   </p:clrMapOvr>
-  <p:timing>
-    <p:tnLst>
-      <p:par>
-        <p:cTn id="1" dur="indefinite" restart="never" nodeType="tmRoot"/>
-      </p:par>
-    </p:tnLst>
-  </p:timing>
 </p:sld>
 </file>
 
@@ -4540,13 +4516,6 @@
   <p:clrMapOvr>
     <a:masterClrMapping/>
   </p:clrMapOvr>
-  <p:timing>
-    <p:tnLst>
-      <p:par>
-        <p:cTn id="1" dur="indefinite" restart="never" nodeType="tmRoot"/>
-      </p:par>
-    </p:tnLst>
-  </p:timing>
 </p:sld>
 </file>
 
@@ -4583,10 +4552,9 @@
           <a:lstStyle/>
           <a:p>
             <a:r>
-              <a:rPr lang="en-US" dirty="0" smtClean="0"/>
+              <a:rPr lang="en-US" dirty="0"/>
               <a:t>Bad iconography</a:t>
             </a:r>
-            <a:endParaRPr lang="en-US" dirty="0"/>
           </a:p>
         </p:txBody>
       </p:sp>
@@ -4608,13 +4576,13 @@
           <a:lstStyle/>
           <a:p>
             <a:r>
-              <a:rPr lang="en-US" dirty="0" smtClean="0"/>
+              <a:rPr lang="en-US" dirty="0"/>
               <a:t>Icons are an important part of modern UI, especially for mobiles</a:t>
             </a:r>
           </a:p>
           <a:p>
             <a:r>
-              <a:rPr lang="en-US" dirty="0" smtClean="0"/>
+              <a:rPr lang="en-US" dirty="0"/>
               <a:t>Using the right icon is important to convey the proper meaning</a:t>
             </a:r>
           </a:p>
@@ -4635,13 +4603,8 @@
           <a:p>
             <a:r>
               <a:rPr lang="en-US" dirty="0"/>
-              <a:t>Use a consistent style: First of all, all of your icons should either be outlined or filled. In addition, ensure a consistent line thickness and corner radius</a:t>
-            </a:r>
-            <a:r>
-              <a:rPr lang="en-US" dirty="0" smtClean="0"/>
-              <a:t>.</a:t>
-            </a:r>
-            <a:endParaRPr lang="en-US" dirty="0"/>
+              <a:t>Use a consistent style: First of all, all of your icons should either be outlined or filled. In addition, ensure a consistent line thickness and corner radius.</a:t>
+            </a:r>
           </a:p>
         </p:txBody>
       </p:sp>
@@ -4655,13 +4618,6 @@
   <p:clrMapOvr>
     <a:masterClrMapping/>
   </p:clrMapOvr>
-  <p:timing>
-    <p:tnLst>
-      <p:par>
-        <p:cTn id="1" dur="indefinite" restart="never" nodeType="tmRoot"/>
-      </p:par>
-    </p:tnLst>
-  </p:timing>
 </p:sld>
 </file>
 
@@ -4740,13 +4696,6 @@
   <p:clrMapOvr>
     <a:masterClrMapping/>
   </p:clrMapOvr>
-  <p:timing>
-    <p:tnLst>
-      <p:par>
-        <p:cTn id="1" dur="indefinite" restart="never" nodeType="tmRoot"/>
-      </p:par>
-    </p:tnLst>
-  </p:timing>
 </p:sld>
 </file>
 
@@ -4783,10 +4732,9 @@
           <a:lstStyle/>
           <a:p>
             <a:r>
-              <a:rPr lang="en-US" dirty="0" smtClean="0"/>
+              <a:rPr lang="en-US" dirty="0"/>
               <a:t>aligned elements</a:t>
             </a:r>
-            <a:endParaRPr lang="en-US" dirty="0"/>
           </a:p>
         </p:txBody>
       </p:sp>
@@ -4806,22 +4754,21 @@
           <a:lstStyle/>
           <a:p>
             <a:r>
-              <a:rPr lang="en-US" dirty="0" smtClean="0"/>
+              <a:rPr lang="en-US" dirty="0"/>
               <a:t>Keeps things tidy and consistent</a:t>
             </a:r>
           </a:p>
           <a:p>
             <a:r>
-              <a:rPr lang="en-US" dirty="0" smtClean="0"/>
+              <a:rPr lang="en-US" dirty="0"/>
               <a:t>Easy to follow the design</a:t>
             </a:r>
           </a:p>
           <a:p>
             <a:r>
-              <a:rPr lang="en-US" dirty="0" smtClean="0"/>
+              <a:rPr lang="en-US" dirty="0"/>
               <a:t>Related items should be aligned to one side</a:t>
             </a:r>
-            <a:endParaRPr lang="en-US" dirty="0"/>
           </a:p>
         </p:txBody>
       </p:sp>
@@ -4835,13 +4782,6 @@
   <p:clrMapOvr>
     <a:masterClrMapping/>
   </p:clrMapOvr>
-  <p:timing>
-    <p:tnLst>
-      <p:par>
-        <p:cTn id="1" dur="indefinite" restart="never" nodeType="tmRoot"/>
-      </p:par>
-    </p:tnLst>
-  </p:timing>
 </p:sld>
 </file>
 
@@ -4920,13 +4860,6 @@
   <p:clrMapOvr>
     <a:masterClrMapping/>
   </p:clrMapOvr>
-  <p:timing>
-    <p:tnLst>
-      <p:par>
-        <p:cTn id="1" dur="indefinite" restart="never" nodeType="tmRoot"/>
-      </p:par>
-    </p:tnLst>
-  </p:timing>
 </p:sld>
 </file>
 
@@ -4963,10 +4896,9 @@
           <a:lstStyle/>
           <a:p>
             <a:r>
-              <a:rPr lang="en-US" dirty="0" smtClean="0"/>
+              <a:rPr lang="en-US" dirty="0"/>
               <a:t>LOW contrast</a:t>
             </a:r>
-            <a:endParaRPr lang="en-US" dirty="0"/>
           </a:p>
         </p:txBody>
       </p:sp>
@@ -4989,11 +4921,7 @@
           <a:p>
             <a:r>
               <a:rPr lang="en-US" dirty="0"/>
-              <a:t>When you have low contrast between your interface elements, all of the elements merge together and you end up with a dull and  hard-to-read </a:t>
-            </a:r>
-            <a:r>
-              <a:rPr lang="en-US" dirty="0" smtClean="0"/>
-              <a:t>interface</a:t>
+              <a:t>When you have low contrast between your interface elements, all of the elements merge together and you end up with a dull and  hard-to-read interface</a:t>
             </a:r>
           </a:p>
           <a:p>
@@ -5029,13 +4957,6 @@
   <p:clrMapOvr>
     <a:masterClrMapping/>
   </p:clrMapOvr>
-  <p:timing>
-    <p:tnLst>
-      <p:par>
-        <p:cTn id="1" dur="indefinite" restart="never" nodeType="tmRoot"/>
-      </p:par>
-    </p:tnLst>
-  </p:timing>
 </p:sld>
 </file>
 
@@ -5114,13 +5035,6 @@
   <p:clrMapOvr>
     <a:masterClrMapping/>
   </p:clrMapOvr>
-  <p:timing>
-    <p:tnLst>
-      <p:par>
-        <p:cTn id="1" dur="indefinite" restart="never" nodeType="tmRoot"/>
-      </p:par>
-    </p:tnLst>
-  </p:timing>
 </p:sld>
 </file>
 
@@ -5157,10 +5071,9 @@
           <a:lstStyle/>
           <a:p>
             <a:r>
-              <a:rPr lang="en-US" dirty="0" smtClean="0"/>
+              <a:rPr lang="en-US" dirty="0"/>
               <a:t>Confusing forms</a:t>
             </a:r>
-            <a:endParaRPr lang="en-US" dirty="0"/>
           </a:p>
         </p:txBody>
       </p:sp>
@@ -5187,15 +5100,7 @@
           <a:p>
             <a:r>
               <a:rPr lang="en-US" dirty="0"/>
-              <a:t>If the form is too long, consider breaking it up into logical sections and show a progress bar </a:t>
-            </a:r>
-            <a:r>
-              <a:rPr lang="en-US" dirty="0" smtClean="0"/>
-              <a:t>or numbers to </a:t>
-            </a:r>
-            <a:r>
-              <a:rPr lang="en-US" dirty="0"/>
-              <a:t>indicate what step the user is at.</a:t>
+              <a:t>If the form is too long, consider breaking it up into logical sections and show a progress bar or numbers to indicate what step the user is at.</a:t>
             </a:r>
           </a:p>
           <a:p>
@@ -5213,13 +5118,6 @@
   <p:clrMapOvr>
     <a:masterClrMapping/>
   </p:clrMapOvr>
-  <p:timing>
-    <p:tnLst>
-      <p:par>
-        <p:cTn id="1" dur="indefinite" restart="never" nodeType="tmRoot"/>
-      </p:par>
-    </p:tnLst>
-  </p:timing>
 </p:sld>
 </file>
 
@@ -5256,42 +5154,40 @@
           <a:lstStyle/>
           <a:p>
             <a:r>
-              <a:rPr lang="en-US" dirty="0" smtClean="0"/>
+              <a:rPr lang="en-US" dirty="0"/>
               <a:t>UI and Software engineering</a:t>
             </a:r>
+          </a:p>
+        </p:txBody>
+      </p:sp>
+      <p:sp>
+        <p:nvSpPr>
+          <p:cNvPr id="3" name="Content Placeholder 2"/>
+          <p:cNvSpPr>
+            <a:spLocks noGrp="1"/>
+          </p:cNvSpPr>
+          <p:nvPr>
+            <p:ph idx="1"/>
+          </p:nvPr>
+        </p:nvSpPr>
+        <p:spPr/>
+        <p:txBody>
+          <a:bodyPr/>
+          <a:lstStyle/>
+          <a:p>
+            <a:r>
+              <a:rPr lang="en-US" dirty="0"/>
+              <a:t>UI is not specifically a part of software engineering, but making a prototype is.</a:t>
+            </a:r>
+          </a:p>
+          <a:p>
             <a:endParaRPr lang="en-US" dirty="0"/>
           </a:p>
-        </p:txBody>
-      </p:sp>
-      <p:sp>
-        <p:nvSpPr>
-          <p:cNvPr id="3" name="Content Placeholder 2"/>
-          <p:cNvSpPr>
-            <a:spLocks noGrp="1"/>
-          </p:cNvSpPr>
-          <p:nvPr>
-            <p:ph idx="1"/>
-          </p:nvPr>
-        </p:nvSpPr>
-        <p:spPr/>
-        <p:txBody>
-          <a:bodyPr/>
-          <a:lstStyle/>
-          <a:p>
-            <a:r>
-              <a:rPr lang="en-US" dirty="0" smtClean="0"/>
-              <a:t>UI is not specifically a part of software engineering, but making a prototype is.</a:t>
-            </a:r>
-          </a:p>
-          <a:p>
-            <a:endParaRPr lang="en-US" dirty="0"/>
-          </a:p>
-          <a:p>
-            <a:r>
-              <a:rPr lang="en-US" dirty="0" smtClean="0"/>
+          <a:p>
+            <a:r>
+              <a:rPr lang="en-US" dirty="0"/>
               <a:t>Having an impressive prototype can leave a lasting effect and work in your favor. </a:t>
             </a:r>
-            <a:endParaRPr lang="en-US" dirty="0"/>
           </a:p>
         </p:txBody>
       </p:sp>
@@ -5305,13 +5201,6 @@
   <p:clrMapOvr>
     <a:masterClrMapping/>
   </p:clrMapOvr>
-  <p:timing>
-    <p:tnLst>
-      <p:par>
-        <p:cTn id="1" dur="indefinite" restart="never" nodeType="tmRoot"/>
-      </p:par>
-    </p:tnLst>
-  </p:timing>
 </p:sld>
 </file>
 
@@ -5390,13 +5279,6 @@
   <p:clrMapOvr>
     <a:masterClrMapping/>
   </p:clrMapOvr>
-  <p:timing>
-    <p:tnLst>
-      <p:par>
-        <p:cTn id="1" dur="indefinite" restart="never" nodeType="tmRoot"/>
-      </p:par>
-    </p:tnLst>
-  </p:timing>
 </p:sld>
 </file>
 
@@ -5434,13 +5316,8 @@
           <a:p>
             <a:r>
               <a:rPr lang="en-US" dirty="0"/>
-              <a:t>Poor touch target on mobile and </a:t>
-            </a:r>
-            <a:r>
-              <a:rPr lang="en-US" dirty="0" smtClean="0"/>
-              <a:t>tablet</a:t>
-            </a:r>
-            <a:endParaRPr lang="en-US" dirty="0"/>
+              <a:t>Poor touch target on mobile and tablet</a:t>
+            </a:r>
           </a:p>
         </p:txBody>
       </p:sp>
@@ -5488,13 +5365,6 @@
   <p:clrMapOvr>
     <a:masterClrMapping/>
   </p:clrMapOvr>
-  <p:timing>
-    <p:tnLst>
-      <p:par>
-        <p:cTn id="1" dur="indefinite" restart="never" nodeType="tmRoot"/>
-      </p:par>
-    </p:tnLst>
-  </p:timing>
 </p:sld>
 </file>
 
@@ -5573,13 +5443,6 @@
   <p:clrMapOvr>
     <a:masterClrMapping/>
   </p:clrMapOvr>
-  <p:timing>
-    <p:tnLst>
-      <p:par>
-        <p:cTn id="1" dur="indefinite" restart="never" nodeType="tmRoot"/>
-      </p:par>
-    </p:tnLst>
-  </p:timing>
 </p:sld>
 </file>
 
@@ -5616,10 +5479,9 @@
           <a:lstStyle/>
           <a:p>
             <a:r>
-              <a:rPr lang="en-US" dirty="0" smtClean="0"/>
+              <a:rPr lang="en-US" dirty="0"/>
               <a:t>Some important don’ts </a:t>
             </a:r>
-            <a:endParaRPr lang="en-US" dirty="0"/>
           </a:p>
         </p:txBody>
       </p:sp>
@@ -5641,40 +5503,39 @@
           <a:lstStyle/>
           <a:p>
             <a:r>
-              <a:rPr lang="en-US" dirty="0" smtClean="0"/>
+              <a:rPr lang="en-US" dirty="0"/>
               <a:t>Never use comic sans font no matter how much it appeals to you</a:t>
             </a:r>
           </a:p>
           <a:p>
             <a:r>
-              <a:rPr lang="en-US" dirty="0" smtClean="0"/>
+              <a:rPr lang="en-US" dirty="0"/>
               <a:t>Be mindful of tab order. A lot of users move around with a keyboard</a:t>
             </a:r>
           </a:p>
           <a:p>
             <a:r>
-              <a:rPr lang="en-US" dirty="0" smtClean="0"/>
+              <a:rPr lang="en-US" dirty="0"/>
               <a:t>When designing, colorblind people should be considered</a:t>
             </a:r>
           </a:p>
           <a:p>
             <a:r>
-              <a:rPr lang="en-US" dirty="0" smtClean="0"/>
+              <a:rPr lang="en-US" dirty="0"/>
               <a:t>For mobile application, try to make the UI for one hand navigation</a:t>
             </a:r>
           </a:p>
           <a:p>
             <a:r>
-              <a:rPr lang="en-US" dirty="0" smtClean="0"/>
+              <a:rPr lang="en-US" dirty="0"/>
               <a:t>Try to keep almost the same interface for mobile and desktop versions of the same app</a:t>
             </a:r>
           </a:p>
           <a:p>
             <a:r>
-              <a:rPr lang="en-US" dirty="0" smtClean="0"/>
+              <a:rPr lang="en-US" dirty="0"/>
               <a:t>Age of the users should also be considered</a:t>
             </a:r>
-            <a:endParaRPr lang="en-US" dirty="0"/>
           </a:p>
         </p:txBody>
       </p:sp>
@@ -5688,13 +5549,600 @@
   <p:clrMapOvr>
     <a:masterClrMapping/>
   </p:clrMapOvr>
-  <p:timing>
-    <p:tnLst>
-      <p:par>
-        <p:cTn id="1" dur="indefinite" restart="never" nodeType="tmRoot"/>
-      </p:par>
-    </p:tnLst>
-  </p:timing>
+</p:sld>
+</file>
+
+<file path=ppt/slides/slide24.xml><?xml version="1.0" encoding="utf-8"?>
+<p:sld xmlns:a="http://schemas.openxmlformats.org/drawingml/2006/main" xmlns:r="http://schemas.openxmlformats.org/officeDocument/2006/relationships" xmlns:p="http://schemas.openxmlformats.org/presentationml/2006/main">
+  <p:cSld>
+    <p:spTree>
+      <p:nvGrpSpPr>
+        <p:cNvPr id="1" name=""/>
+        <p:cNvGrpSpPr/>
+        <p:nvPr/>
+      </p:nvGrpSpPr>
+      <p:grpSpPr>
+        <a:xfrm>
+          <a:off x="0" y="0"/>
+          <a:ext cx="0" cy="0"/>
+          <a:chOff x="0" y="0"/>
+          <a:chExt cx="0" cy="0"/>
+        </a:xfrm>
+      </p:grpSpPr>
+      <p:sp>
+        <p:nvSpPr>
+          <p:cNvPr id="2" name="Title 1">
+            <a:extLst>
+              <a:ext uri="{FF2B5EF4-FFF2-40B4-BE49-F238E27FC236}">
+                <a16:creationId xmlns:a16="http://schemas.microsoft.com/office/drawing/2014/main" id="{28728067-CFA1-4D85-A511-76FBB4CAB398}"/>
+              </a:ext>
+            </a:extLst>
+          </p:cNvPr>
+          <p:cNvSpPr>
+            <a:spLocks noGrp="1"/>
+          </p:cNvSpPr>
+          <p:nvPr>
+            <p:ph type="title"/>
+          </p:nvPr>
+        </p:nvSpPr>
+        <p:spPr/>
+        <p:txBody>
+          <a:bodyPr/>
+          <a:lstStyle/>
+          <a:p>
+            <a:r>
+              <a:rPr lang="en-US" dirty="0"/>
+              <a:t>Tips for building paper prototypes</a:t>
+            </a:r>
+          </a:p>
+        </p:txBody>
+      </p:sp>
+      <p:sp>
+        <p:nvSpPr>
+          <p:cNvPr id="3" name="Content Placeholder 2">
+            <a:extLst>
+              <a:ext uri="{FF2B5EF4-FFF2-40B4-BE49-F238E27FC236}">
+                <a16:creationId xmlns:a16="http://schemas.microsoft.com/office/drawing/2014/main" id="{B3D9988C-57E8-48E5-9CA6-BD4F601CD359}"/>
+              </a:ext>
+            </a:extLst>
+          </p:cNvPr>
+          <p:cNvSpPr>
+            <a:spLocks noGrp="1"/>
+          </p:cNvSpPr>
+          <p:nvPr>
+            <p:ph idx="1"/>
+          </p:nvPr>
+        </p:nvSpPr>
+        <p:spPr/>
+        <p:txBody>
+          <a:bodyPr/>
+          <a:lstStyle/>
+          <a:p>
+            <a:r>
+              <a:rPr lang="en-US" b="0" i="0" dirty="0">
+                <a:solidFill>
+                  <a:srgbClr val="444444"/>
+                </a:solidFill>
+                <a:effectLst/>
+                <a:latin typeface="proxima-nova"/>
+              </a:rPr>
+              <a:t>Use printer paper (plain paper) and cheap pencils/pens. </a:t>
+            </a:r>
+          </a:p>
+          <a:p>
+            <a:r>
+              <a:rPr lang="en-US" b="0" i="0" dirty="0">
+                <a:solidFill>
+                  <a:srgbClr val="444444"/>
+                </a:solidFill>
+                <a:effectLst/>
+                <a:latin typeface="proxima-nova"/>
+              </a:rPr>
+              <a:t>Ruled or line pads often stifle creativity as designers get side-tracked drawing between the lines rather than developing lots of ideas.</a:t>
+            </a:r>
+            <a:endParaRPr lang="en-US" dirty="0"/>
+          </a:p>
+        </p:txBody>
+      </p:sp>
+    </p:spTree>
+    <p:extLst>
+      <p:ext uri="{BB962C8B-B14F-4D97-AF65-F5344CB8AC3E}">
+        <p14:creationId xmlns:p14="http://schemas.microsoft.com/office/powerpoint/2010/main" val="2513807013"/>
+      </p:ext>
+    </p:extLst>
+  </p:cSld>
+  <p:clrMapOvr>
+    <a:masterClrMapping/>
+  </p:clrMapOvr>
+</p:sld>
+</file>
+
+<file path=ppt/slides/slide25.xml><?xml version="1.0" encoding="utf-8"?>
+<p:sld xmlns:a="http://schemas.openxmlformats.org/drawingml/2006/main" xmlns:r="http://schemas.openxmlformats.org/officeDocument/2006/relationships" xmlns:p="http://schemas.openxmlformats.org/presentationml/2006/main">
+  <p:cSld>
+    <p:spTree>
+      <p:nvGrpSpPr>
+        <p:cNvPr id="1" name=""/>
+        <p:cNvGrpSpPr/>
+        <p:nvPr/>
+      </p:nvGrpSpPr>
+      <p:grpSpPr>
+        <a:xfrm>
+          <a:off x="0" y="0"/>
+          <a:ext cx="0" cy="0"/>
+          <a:chOff x="0" y="0"/>
+          <a:chExt cx="0" cy="0"/>
+        </a:xfrm>
+      </p:grpSpPr>
+      <p:sp>
+        <p:nvSpPr>
+          <p:cNvPr id="2" name="Title 1">
+            <a:extLst>
+              <a:ext uri="{FF2B5EF4-FFF2-40B4-BE49-F238E27FC236}">
+                <a16:creationId xmlns:a16="http://schemas.microsoft.com/office/drawing/2014/main" id="{B626E988-D058-42E8-A161-A94CFFFBBEDD}"/>
+              </a:ext>
+            </a:extLst>
+          </p:cNvPr>
+          <p:cNvSpPr>
+            <a:spLocks noGrp="1"/>
+          </p:cNvSpPr>
+          <p:nvPr>
+            <p:ph type="title"/>
+          </p:nvPr>
+        </p:nvSpPr>
+        <p:spPr/>
+        <p:txBody>
+          <a:bodyPr/>
+          <a:lstStyle/>
+          <a:p>
+            <a:r>
+              <a:rPr lang="en-US" dirty="0"/>
+              <a:t>Plan beforehand</a:t>
+            </a:r>
+          </a:p>
+        </p:txBody>
+      </p:sp>
+      <p:sp>
+        <p:nvSpPr>
+          <p:cNvPr id="3" name="Content Placeholder 2">
+            <a:extLst>
+              <a:ext uri="{FF2B5EF4-FFF2-40B4-BE49-F238E27FC236}">
+                <a16:creationId xmlns:a16="http://schemas.microsoft.com/office/drawing/2014/main" id="{4137F1D6-0784-47A8-9498-2945EDD52580}"/>
+              </a:ext>
+            </a:extLst>
+          </p:cNvPr>
+          <p:cNvSpPr>
+            <a:spLocks noGrp="1"/>
+          </p:cNvSpPr>
+          <p:nvPr>
+            <p:ph idx="1"/>
+          </p:nvPr>
+        </p:nvSpPr>
+        <p:spPr/>
+        <p:txBody>
+          <a:bodyPr/>
+          <a:lstStyle/>
+          <a:p>
+            <a:r>
+              <a:rPr lang="en-US" b="0" i="0" dirty="0">
+                <a:solidFill>
+                  <a:srgbClr val="444444"/>
+                </a:solidFill>
+                <a:effectLst/>
+                <a:latin typeface="proxima-nova"/>
+              </a:rPr>
+              <a:t>Planning is crucial for a successful paper prototyping session! </a:t>
+            </a:r>
+          </a:p>
+          <a:p>
+            <a:r>
+              <a:rPr lang="en-US" b="0" i="0" dirty="0">
+                <a:solidFill>
+                  <a:srgbClr val="444444"/>
+                </a:solidFill>
+                <a:effectLst/>
+                <a:latin typeface="proxima-nova"/>
+              </a:rPr>
+              <a:t>Ensure you have enough pens (black fine-tipped markers work best), paper, scissors, glue, post-it notes, index cards, tape, cardboard, and anything else you think your specific project might need. </a:t>
+            </a:r>
+          </a:p>
+          <a:p>
+            <a:r>
+              <a:rPr lang="en-US" b="0" i="0" dirty="0">
+                <a:solidFill>
+                  <a:srgbClr val="444444"/>
+                </a:solidFill>
+                <a:effectLst/>
+                <a:latin typeface="proxima-nova"/>
+              </a:rPr>
+              <a:t>A whiteboard and marker are also great for outlining user flows collaboratively.</a:t>
+            </a:r>
+            <a:endParaRPr lang="en-US" dirty="0"/>
+          </a:p>
+        </p:txBody>
+      </p:sp>
+    </p:spTree>
+    <p:extLst>
+      <p:ext uri="{BB962C8B-B14F-4D97-AF65-F5344CB8AC3E}">
+        <p14:creationId xmlns:p14="http://schemas.microsoft.com/office/powerpoint/2010/main" val="4060483781"/>
+      </p:ext>
+    </p:extLst>
+  </p:cSld>
+  <p:clrMapOvr>
+    <a:masterClrMapping/>
+  </p:clrMapOvr>
+</p:sld>
+</file>
+
+<file path=ppt/slides/slide26.xml><?xml version="1.0" encoding="utf-8"?>
+<p:sld xmlns:a="http://schemas.openxmlformats.org/drawingml/2006/main" xmlns:r="http://schemas.openxmlformats.org/officeDocument/2006/relationships" xmlns:p="http://schemas.openxmlformats.org/presentationml/2006/main">
+  <p:cSld>
+    <p:spTree>
+      <p:nvGrpSpPr>
+        <p:cNvPr id="1" name=""/>
+        <p:cNvGrpSpPr/>
+        <p:nvPr/>
+      </p:nvGrpSpPr>
+      <p:grpSpPr>
+        <a:xfrm>
+          <a:off x="0" y="0"/>
+          <a:ext cx="0" cy="0"/>
+          <a:chOff x="0" y="0"/>
+          <a:chExt cx="0" cy="0"/>
+        </a:xfrm>
+      </p:grpSpPr>
+      <p:sp>
+        <p:nvSpPr>
+          <p:cNvPr id="2" name="Title 1">
+            <a:extLst>
+              <a:ext uri="{FF2B5EF4-FFF2-40B4-BE49-F238E27FC236}">
+                <a16:creationId xmlns:a16="http://schemas.microsoft.com/office/drawing/2014/main" id="{D8AE2D11-7050-445A-8340-467E01A31ADB}"/>
+              </a:ext>
+            </a:extLst>
+          </p:cNvPr>
+          <p:cNvSpPr>
+            <a:spLocks noGrp="1"/>
+          </p:cNvSpPr>
+          <p:nvPr>
+            <p:ph type="title"/>
+          </p:nvPr>
+        </p:nvSpPr>
+        <p:spPr/>
+        <p:txBody>
+          <a:bodyPr/>
+          <a:lstStyle/>
+          <a:p>
+            <a:r>
+              <a:rPr lang="en-US" dirty="0"/>
+              <a:t>Crazy Eights</a:t>
+            </a:r>
+          </a:p>
+        </p:txBody>
+      </p:sp>
+      <p:sp>
+        <p:nvSpPr>
+          <p:cNvPr id="3" name="Content Placeholder 2">
+            <a:extLst>
+              <a:ext uri="{FF2B5EF4-FFF2-40B4-BE49-F238E27FC236}">
+                <a16:creationId xmlns:a16="http://schemas.microsoft.com/office/drawing/2014/main" id="{E89465B1-3B5A-46DA-AEF4-019702F5EEFD}"/>
+              </a:ext>
+            </a:extLst>
+          </p:cNvPr>
+          <p:cNvSpPr>
+            <a:spLocks noGrp="1"/>
+          </p:cNvSpPr>
+          <p:nvPr>
+            <p:ph idx="1"/>
+          </p:nvPr>
+        </p:nvSpPr>
+        <p:spPr/>
+        <p:txBody>
+          <a:bodyPr/>
+          <a:lstStyle/>
+          <a:p>
+            <a:r>
+              <a:rPr lang="en-US" dirty="0"/>
+              <a:t>Sometimes it takes a few sketches to loosen up and get into the flow. </a:t>
+            </a:r>
+          </a:p>
+          <a:p>
+            <a:r>
+              <a:rPr lang="en-US" dirty="0"/>
+              <a:t>Crazy eights is a fantastic paper prototyping method to design many versions of the same screen fast. </a:t>
+            </a:r>
+          </a:p>
+          <a:p>
+            <a:r>
+              <a:rPr lang="en-US" dirty="0"/>
+              <a:t>After a couple of crazy eights rounds, you’ll have many ideas to expand on.</a:t>
+            </a:r>
+          </a:p>
+        </p:txBody>
+      </p:sp>
+    </p:spTree>
+    <p:extLst>
+      <p:ext uri="{BB962C8B-B14F-4D97-AF65-F5344CB8AC3E}">
+        <p14:creationId xmlns:p14="http://schemas.microsoft.com/office/powerpoint/2010/main" val="1638832123"/>
+      </p:ext>
+    </p:extLst>
+  </p:cSld>
+  <p:clrMapOvr>
+    <a:masterClrMapping/>
+  </p:clrMapOvr>
+</p:sld>
+</file>
+
+<file path=ppt/slides/slide27.xml><?xml version="1.0" encoding="utf-8"?>
+<p:sld xmlns:a="http://schemas.openxmlformats.org/drawingml/2006/main" xmlns:r="http://schemas.openxmlformats.org/officeDocument/2006/relationships" xmlns:p="http://schemas.openxmlformats.org/presentationml/2006/main">
+  <p:cSld>
+    <p:spTree>
+      <p:nvGrpSpPr>
+        <p:cNvPr id="1" name=""/>
+        <p:cNvGrpSpPr/>
+        <p:nvPr/>
+      </p:nvGrpSpPr>
+      <p:grpSpPr>
+        <a:xfrm>
+          <a:off x="0" y="0"/>
+          <a:ext cx="0" cy="0"/>
+          <a:chOff x="0" y="0"/>
+          <a:chExt cx="0" cy="0"/>
+        </a:xfrm>
+      </p:grpSpPr>
+      <p:pic>
+        <p:nvPicPr>
+          <p:cNvPr id="5" name="Content Placeholder 4" descr="Graphical user interface, application, Word&#10;&#10;Description automatically generated">
+            <a:extLst>
+              <a:ext uri="{FF2B5EF4-FFF2-40B4-BE49-F238E27FC236}">
+                <a16:creationId xmlns:a16="http://schemas.microsoft.com/office/drawing/2014/main" id="{0830ACFA-2FCC-4343-ADCF-E82C77B01182}"/>
+              </a:ext>
+            </a:extLst>
+          </p:cNvPr>
+          <p:cNvPicPr>
+            <a:picLocks noGrp="1" noChangeAspect="1"/>
+          </p:cNvPicPr>
+          <p:nvPr>
+            <p:ph idx="1"/>
+          </p:nvPr>
+        </p:nvPicPr>
+        <p:blipFill>
+          <a:blip r:embed="rId2">
+            <a:extLst>
+              <a:ext uri="{28A0092B-C50C-407E-A947-70E740481C1C}">
+                <a14:useLocalDpi xmlns:a14="http://schemas.microsoft.com/office/drawing/2010/main" val="0"/>
+              </a:ext>
+            </a:extLst>
+          </a:blip>
+          <a:stretch>
+            <a:fillRect/>
+          </a:stretch>
+        </p:blipFill>
+        <p:spPr>
+          <a:xfrm>
+            <a:off x="383781" y="995680"/>
+            <a:ext cx="11551020" cy="5696373"/>
+          </a:xfrm>
+        </p:spPr>
+      </p:pic>
+    </p:spTree>
+    <p:extLst>
+      <p:ext uri="{BB962C8B-B14F-4D97-AF65-F5344CB8AC3E}">
+        <p14:creationId xmlns:p14="http://schemas.microsoft.com/office/powerpoint/2010/main" val="1125525070"/>
+      </p:ext>
+    </p:extLst>
+  </p:cSld>
+  <p:clrMapOvr>
+    <a:masterClrMapping/>
+  </p:clrMapOvr>
+</p:sld>
+</file>
+
+<file path=ppt/slides/slide28.xml><?xml version="1.0" encoding="utf-8"?>
+<p:sld xmlns:a="http://schemas.openxmlformats.org/drawingml/2006/main" xmlns:r="http://schemas.openxmlformats.org/officeDocument/2006/relationships" xmlns:p="http://schemas.openxmlformats.org/presentationml/2006/main">
+  <p:cSld>
+    <p:spTree>
+      <p:nvGrpSpPr>
+        <p:cNvPr id="1" name=""/>
+        <p:cNvGrpSpPr/>
+        <p:nvPr/>
+      </p:nvGrpSpPr>
+      <p:grpSpPr>
+        <a:xfrm>
+          <a:off x="0" y="0"/>
+          <a:ext cx="0" cy="0"/>
+          <a:chOff x="0" y="0"/>
+          <a:chExt cx="0" cy="0"/>
+        </a:xfrm>
+      </p:grpSpPr>
+      <p:sp>
+        <p:nvSpPr>
+          <p:cNvPr id="2" name="Title 1">
+            <a:extLst>
+              <a:ext uri="{FF2B5EF4-FFF2-40B4-BE49-F238E27FC236}">
+                <a16:creationId xmlns:a16="http://schemas.microsoft.com/office/drawing/2014/main" id="{C5883EEA-98C2-4C1A-B98E-101C8AB2758D}"/>
+              </a:ext>
+            </a:extLst>
+          </p:cNvPr>
+          <p:cNvSpPr>
+            <a:spLocks noGrp="1"/>
+          </p:cNvSpPr>
+          <p:nvPr>
+            <p:ph type="title"/>
+          </p:nvPr>
+        </p:nvSpPr>
+        <p:spPr/>
+        <p:txBody>
+          <a:bodyPr/>
+          <a:lstStyle/>
+          <a:p>
+            <a:r>
+              <a:rPr lang="en-US" dirty="0"/>
+              <a:t>Mobile First</a:t>
+            </a:r>
+          </a:p>
+        </p:txBody>
+      </p:sp>
+      <p:sp>
+        <p:nvSpPr>
+          <p:cNvPr id="3" name="Content Placeholder 2">
+            <a:extLst>
+              <a:ext uri="{FF2B5EF4-FFF2-40B4-BE49-F238E27FC236}">
+                <a16:creationId xmlns:a16="http://schemas.microsoft.com/office/drawing/2014/main" id="{38157900-F348-475E-BA72-E269CA848683}"/>
+              </a:ext>
+            </a:extLst>
+          </p:cNvPr>
+          <p:cNvSpPr>
+            <a:spLocks noGrp="1"/>
+          </p:cNvSpPr>
+          <p:nvPr>
+            <p:ph idx="1"/>
+          </p:nvPr>
+        </p:nvSpPr>
+        <p:spPr/>
+        <p:txBody>
+          <a:bodyPr/>
+          <a:lstStyle/>
+          <a:p>
+            <a:r>
+              <a:rPr lang="en-US" dirty="0"/>
+              <a:t>Prototype mobile-first or progressive enhancement starts with the smallest screen and adjusts the layout as you scale the viewport (this applies to mobile and web design. </a:t>
+            </a:r>
+          </a:p>
+          <a:p>
+            <a:r>
+              <a:rPr lang="en-US" dirty="0"/>
+              <a:t>Scaling up is much easier than scaling down because you prioritize content and avoid elaborate desktop layouts that don’t translate to mobile</a:t>
+            </a:r>
+          </a:p>
+        </p:txBody>
+      </p:sp>
+    </p:spTree>
+    <p:extLst>
+      <p:ext uri="{BB962C8B-B14F-4D97-AF65-F5344CB8AC3E}">
+        <p14:creationId xmlns:p14="http://schemas.microsoft.com/office/powerpoint/2010/main" val="2497244988"/>
+      </p:ext>
+    </p:extLst>
+  </p:cSld>
+  <p:clrMapOvr>
+    <a:masterClrMapping/>
+  </p:clrMapOvr>
+</p:sld>
+</file>
+
+<file path=ppt/slides/slide29.xml><?xml version="1.0" encoding="utf-8"?>
+<p:sld xmlns:a="http://schemas.openxmlformats.org/drawingml/2006/main" xmlns:r="http://schemas.openxmlformats.org/officeDocument/2006/relationships" xmlns:p="http://schemas.openxmlformats.org/presentationml/2006/main">
+  <p:cSld>
+    <p:spTree>
+      <p:nvGrpSpPr>
+        <p:cNvPr id="1" name=""/>
+        <p:cNvGrpSpPr/>
+        <p:nvPr/>
+      </p:nvGrpSpPr>
+      <p:grpSpPr>
+        <a:xfrm>
+          <a:off x="0" y="0"/>
+          <a:ext cx="0" cy="0"/>
+          <a:chOff x="0" y="0"/>
+          <a:chExt cx="0" cy="0"/>
+        </a:xfrm>
+      </p:grpSpPr>
+      <p:sp>
+        <p:nvSpPr>
+          <p:cNvPr id="2" name="Title 1">
+            <a:extLst>
+              <a:ext uri="{FF2B5EF4-FFF2-40B4-BE49-F238E27FC236}">
+                <a16:creationId xmlns:a16="http://schemas.microsoft.com/office/drawing/2014/main" id="{36DC9AF3-6529-44AB-AE71-231B1A220A50}"/>
+              </a:ext>
+            </a:extLst>
+          </p:cNvPr>
+          <p:cNvSpPr>
+            <a:spLocks noGrp="1"/>
+          </p:cNvSpPr>
+          <p:nvPr>
+            <p:ph type="title"/>
+          </p:nvPr>
+        </p:nvSpPr>
+        <p:spPr/>
+        <p:txBody>
+          <a:bodyPr/>
+          <a:lstStyle/>
+          <a:p>
+            <a:r>
+              <a:rPr lang="en-US" dirty="0"/>
+              <a:t>One sketch per screen</a:t>
+            </a:r>
+          </a:p>
+        </p:txBody>
+      </p:sp>
+      <p:sp>
+        <p:nvSpPr>
+          <p:cNvPr id="3" name="Content Placeholder 2">
+            <a:extLst>
+              <a:ext uri="{FF2B5EF4-FFF2-40B4-BE49-F238E27FC236}">
+                <a16:creationId xmlns:a16="http://schemas.microsoft.com/office/drawing/2014/main" id="{D94DBDDE-7CC9-4E62-AC40-13E0BF9BE908}"/>
+              </a:ext>
+            </a:extLst>
+          </p:cNvPr>
+          <p:cNvSpPr>
+            <a:spLocks noGrp="1"/>
+          </p:cNvSpPr>
+          <p:nvPr>
+            <p:ph idx="1"/>
+          </p:nvPr>
+        </p:nvSpPr>
+        <p:spPr/>
+        <p:txBody>
+          <a:bodyPr/>
+          <a:lstStyle/>
+          <a:p>
+            <a:r>
+              <a:rPr lang="en-US" b="0" i="0" dirty="0">
+                <a:solidFill>
+                  <a:srgbClr val="444444"/>
+                </a:solidFill>
+                <a:effectLst/>
+                <a:latin typeface="proxima-nova"/>
+              </a:rPr>
+              <a:t>Stick to one sketch per screen (a piece of paper). </a:t>
+            </a:r>
+          </a:p>
+          <a:p>
+            <a:r>
+              <a:rPr lang="en-US" b="0" i="0" dirty="0">
+                <a:solidFill>
+                  <a:srgbClr val="444444"/>
+                </a:solidFill>
+                <a:effectLst/>
+                <a:latin typeface="proxima-nova"/>
+              </a:rPr>
+              <a:t>Paper prototyping requires you to create user flows by placing pieces of paper in sequences. </a:t>
+            </a:r>
+          </a:p>
+          <a:p>
+            <a:r>
+              <a:rPr lang="en-US" b="0" i="0" dirty="0">
+                <a:solidFill>
+                  <a:srgbClr val="444444"/>
+                </a:solidFill>
+                <a:effectLst/>
+                <a:latin typeface="proxima-nova"/>
+              </a:rPr>
+              <a:t>You’ll also switch these around or add new screens. If you have more than one screen on a piece of paper, you lose this speed and flexibility.</a:t>
+            </a:r>
+            <a:endParaRPr lang="en-US" dirty="0"/>
+          </a:p>
+        </p:txBody>
+      </p:sp>
+    </p:spTree>
+    <p:extLst>
+      <p:ext uri="{BB962C8B-B14F-4D97-AF65-F5344CB8AC3E}">
+        <p14:creationId xmlns:p14="http://schemas.microsoft.com/office/powerpoint/2010/main" val="2766714222"/>
+      </p:ext>
+    </p:extLst>
+  </p:cSld>
+  <p:clrMapOvr>
+    <a:masterClrMapping/>
+  </p:clrMapOvr>
 </p:sld>
 </file>
 
@@ -5731,10 +6179,9 @@
           <a:lstStyle/>
           <a:p>
             <a:r>
-              <a:rPr lang="en-US" dirty="0" smtClean="0"/>
+              <a:rPr lang="en-US" dirty="0"/>
               <a:t>Maintain consistency</a:t>
             </a:r>
-            <a:endParaRPr lang="en-US" dirty="0"/>
           </a:p>
         </p:txBody>
       </p:sp>
@@ -5754,22 +6201,21 @@
           <a:lstStyle/>
           <a:p>
             <a:r>
-              <a:rPr lang="en-US" dirty="0" smtClean="0"/>
+              <a:rPr lang="en-US" dirty="0"/>
               <a:t>If the menu is inconsistent, it will keep the users confused</a:t>
             </a:r>
           </a:p>
           <a:p>
             <a:r>
-              <a:rPr lang="en-US" dirty="0" smtClean="0"/>
+              <a:rPr lang="en-US" dirty="0"/>
               <a:t>Inconsistent menu does not look pleasing to the eye</a:t>
             </a:r>
           </a:p>
           <a:p>
             <a:r>
-              <a:rPr lang="en-US" dirty="0" smtClean="0"/>
+              <a:rPr lang="en-US" dirty="0"/>
               <a:t>It also makes navigating the content harder</a:t>
             </a:r>
-            <a:endParaRPr lang="en-US" dirty="0"/>
           </a:p>
         </p:txBody>
       </p:sp>
@@ -5783,13 +6229,123 @@
   <p:clrMapOvr>
     <a:masterClrMapping/>
   </p:clrMapOvr>
-  <p:timing>
-    <p:tnLst>
-      <p:par>
-        <p:cTn id="1" dur="indefinite" restart="never" nodeType="tmRoot"/>
-      </p:par>
-    </p:tnLst>
-  </p:timing>
+</p:sld>
+</file>
+
+<file path=ppt/slides/slide30.xml><?xml version="1.0" encoding="utf-8"?>
+<p:sld xmlns:a="http://schemas.openxmlformats.org/drawingml/2006/main" xmlns:r="http://schemas.openxmlformats.org/officeDocument/2006/relationships" xmlns:p="http://schemas.openxmlformats.org/presentationml/2006/main">
+  <p:cSld>
+    <p:spTree>
+      <p:nvGrpSpPr>
+        <p:cNvPr id="1" name=""/>
+        <p:cNvGrpSpPr/>
+        <p:nvPr/>
+      </p:nvGrpSpPr>
+      <p:grpSpPr>
+        <a:xfrm>
+          <a:off x="0" y="0"/>
+          <a:ext cx="0" cy="0"/>
+          <a:chOff x="0" y="0"/>
+          <a:chExt cx="0" cy="0"/>
+        </a:xfrm>
+      </p:grpSpPr>
+      <p:sp>
+        <p:nvSpPr>
+          <p:cNvPr id="2" name="Title 1">
+            <a:extLst>
+              <a:ext uri="{FF2B5EF4-FFF2-40B4-BE49-F238E27FC236}">
+                <a16:creationId xmlns:a16="http://schemas.microsoft.com/office/drawing/2014/main" id="{560BDC43-0DAE-4DB9-8E6E-52D53728621E}"/>
+              </a:ext>
+            </a:extLst>
+          </p:cNvPr>
+          <p:cNvSpPr>
+            <a:spLocks noGrp="1"/>
+          </p:cNvSpPr>
+          <p:nvPr>
+            <p:ph type="title"/>
+          </p:nvPr>
+        </p:nvSpPr>
+        <p:spPr/>
+        <p:txBody>
+          <a:bodyPr/>
+          <a:lstStyle/>
+          <a:p>
+            <a:r>
+              <a:rPr lang="en-US" dirty="0"/>
+              <a:t>Iterate over and over</a:t>
+            </a:r>
+          </a:p>
+        </p:txBody>
+      </p:sp>
+      <p:sp>
+        <p:nvSpPr>
+          <p:cNvPr id="3" name="Content Placeholder 2">
+            <a:extLst>
+              <a:ext uri="{FF2B5EF4-FFF2-40B4-BE49-F238E27FC236}">
+                <a16:creationId xmlns:a16="http://schemas.microsoft.com/office/drawing/2014/main" id="{0C2007CB-F1E9-4FDF-A185-C58D86F6B963}"/>
+              </a:ext>
+            </a:extLst>
+          </p:cNvPr>
+          <p:cNvSpPr>
+            <a:spLocks noGrp="1"/>
+          </p:cNvSpPr>
+          <p:nvPr>
+            <p:ph idx="1"/>
+          </p:nvPr>
+        </p:nvSpPr>
+        <p:spPr/>
+        <p:txBody>
+          <a:bodyPr/>
+          <a:lstStyle/>
+          <a:p>
+            <a:r>
+              <a:rPr lang="en-US" b="0" i="0" dirty="0">
+                <a:solidFill>
+                  <a:srgbClr val="444444"/>
+                </a:solidFill>
+                <a:effectLst/>
+                <a:latin typeface="proxima-nova"/>
+              </a:rPr>
+              <a:t>Iterate as the ideas come to mind. </a:t>
+            </a:r>
+          </a:p>
+          <a:p>
+            <a:r>
+              <a:rPr lang="en-US" b="0" i="0" dirty="0">
+                <a:solidFill>
+                  <a:srgbClr val="444444"/>
+                </a:solidFill>
+                <a:effectLst/>
+                <a:latin typeface="proxima-nova"/>
+              </a:rPr>
+              <a:t>The goal is quantity, not quality. </a:t>
+            </a:r>
+          </a:p>
+          <a:p>
+            <a:r>
+              <a:rPr lang="en-US" b="0" i="0" dirty="0">
+                <a:solidFill>
+                  <a:srgbClr val="444444"/>
+                </a:solidFill>
+                <a:effectLst/>
+                <a:latin typeface="proxima-nova"/>
+              </a:rPr>
+              <a:t>When you create lots of paper prototype ideas, you often end up taking bits from each to get the final result—like a Lego set, but with paper.</a:t>
+            </a:r>
+            <a:endParaRPr lang="en-US" dirty="0"/>
+          </a:p>
+        </p:txBody>
+      </p:sp>
+    </p:spTree>
+    <p:extLst>
+      <p:ext uri="{BB962C8B-B14F-4D97-AF65-F5344CB8AC3E}">
+        <p14:creationId xmlns:p14="http://schemas.microsoft.com/office/powerpoint/2010/main" val="1479120709"/>
+      </p:ext>
+    </p:extLst>
+  </p:cSld>
+  <p:clrMapOvr>
+    <a:masterClrMapping/>
+  </p:clrMapOvr>
 </p:sld>
 </file>
 
@@ -5826,10 +6382,9 @@
           <a:lstStyle/>
           <a:p>
             <a:r>
-              <a:rPr lang="en-US" dirty="0" smtClean="0"/>
+              <a:rPr lang="en-US" dirty="0"/>
               <a:t>Maintain consistency</a:t>
             </a:r>
-            <a:endParaRPr lang="en-US" dirty="0"/>
           </a:p>
         </p:txBody>
       </p:sp>
@@ -5852,13 +6407,8 @@
           <a:p>
             <a:r>
               <a:rPr lang="en-US" dirty="0"/>
-              <a:t>Consistent use of color </a:t>
-            </a:r>
-            <a:r>
-              <a:rPr lang="en-US" dirty="0" smtClean="0"/>
-              <a:t>palette</a:t>
-            </a:r>
-            <a:endParaRPr lang="en-US" dirty="0"/>
+              <a:t>Consistent use of color palette</a:t>
+            </a:r>
           </a:p>
           <a:p>
             <a:r>
@@ -5896,13 +6446,6 @@
   <p:clrMapOvr>
     <a:masterClrMapping/>
   </p:clrMapOvr>
-  <p:timing>
-    <p:tnLst>
-      <p:par>
-        <p:cTn id="1" dur="indefinite" restart="never" nodeType="tmRoot"/>
-      </p:par>
-    </p:tnLst>
-  </p:timing>
 </p:sld>
 </file>
 
@@ -5939,10 +6482,9 @@
           <a:lstStyle/>
           <a:p>
             <a:r>
-              <a:rPr lang="en-US" dirty="0" smtClean="0"/>
+              <a:rPr lang="en-US" dirty="0"/>
               <a:t>Color palette</a:t>
             </a:r>
-            <a:endParaRPr lang="en-US" dirty="0"/>
           </a:p>
         </p:txBody>
       </p:sp>
@@ -5962,11 +6504,11 @@
           <a:lstStyle/>
           <a:p>
             <a:r>
-              <a:rPr lang="en-US" dirty="0" smtClean="0"/>
+              <a:rPr lang="en-US" dirty="0"/>
               <a:t>Adobe </a:t>
             </a:r>
             <a:r>
-              <a:rPr lang="en-US" dirty="0" smtClean="0">
+              <a:rPr lang="en-US" dirty="0">
                 <a:hlinkClick r:id="rId2"/>
               </a:rPr>
               <a:t>color wheel</a:t>
@@ -5985,13 +6527,6 @@
   <p:clrMapOvr>
     <a:masterClrMapping/>
   </p:clrMapOvr>
-  <p:timing>
-    <p:tnLst>
-      <p:par>
-        <p:cTn id="1" dur="indefinite" restart="never" nodeType="tmRoot"/>
-      </p:par>
-    </p:tnLst>
-  </p:timing>
 </p:sld>
 </file>
 
@@ -6070,13 +6605,6 @@
   <p:clrMapOvr>
     <a:masterClrMapping/>
   </p:clrMapOvr>
-  <p:timing>
-    <p:tnLst>
-      <p:par>
-        <p:cTn id="1" dur="indefinite" restart="never" nodeType="tmRoot"/>
-      </p:par>
-    </p:tnLst>
-  </p:timing>
 </p:sld>
 </file>
 
@@ -6113,10 +6641,9 @@
           <a:lstStyle/>
           <a:p>
             <a:r>
-              <a:rPr lang="en-US" dirty="0" smtClean="0"/>
+              <a:rPr lang="en-US" dirty="0"/>
               <a:t>Using default elements and values</a:t>
             </a:r>
-            <a:endParaRPr lang="en-US" dirty="0"/>
           </a:p>
         </p:txBody>
       </p:sp>
@@ -6136,28 +6663,27 @@
           <a:lstStyle/>
           <a:p>
             <a:r>
-              <a:rPr lang="en-US" dirty="0" smtClean="0"/>
+              <a:rPr lang="en-US" dirty="0"/>
               <a:t>Default buttons</a:t>
             </a:r>
           </a:p>
           <a:p>
             <a:r>
-              <a:rPr lang="en-US" dirty="0" smtClean="0"/>
+              <a:rPr lang="en-US" dirty="0"/>
               <a:t>Default colors</a:t>
             </a:r>
           </a:p>
           <a:p>
             <a:r>
-              <a:rPr lang="en-US" dirty="0" smtClean="0"/>
+              <a:rPr lang="en-US" dirty="0"/>
               <a:t>Default fonts</a:t>
             </a:r>
           </a:p>
           <a:p>
             <a:r>
-              <a:rPr lang="en-US" dirty="0" smtClean="0"/>
+              <a:rPr lang="en-US" dirty="0"/>
               <a:t>Default shadows (should be subtle)</a:t>
             </a:r>
-            <a:endParaRPr lang="en-US" dirty="0"/>
           </a:p>
         </p:txBody>
       </p:sp>
@@ -6171,13 +6697,6 @@
   <p:clrMapOvr>
     <a:masterClrMapping/>
   </p:clrMapOvr>
-  <p:timing>
-    <p:tnLst>
-      <p:par>
-        <p:cTn id="1" dur="indefinite" restart="never" nodeType="tmRoot"/>
-      </p:par>
-    </p:tnLst>
-  </p:timing>
 </p:sld>
 </file>
 
@@ -6256,13 +6775,6 @@
   <p:clrMapOvr>
     <a:masterClrMapping/>
   </p:clrMapOvr>
-  <p:timing>
-    <p:tnLst>
-      <p:par>
-        <p:cTn id="1" dur="indefinite" restart="never" nodeType="tmRoot"/>
-      </p:par>
-    </p:tnLst>
-  </p:timing>
 </p:sld>
 </file>
 
@@ -6299,10 +6811,9 @@
           <a:lstStyle/>
           <a:p>
             <a:r>
-              <a:rPr lang="en-US" dirty="0" smtClean="0"/>
+              <a:rPr lang="en-US" dirty="0"/>
               <a:t>Little distinction between primary and secondary buttons</a:t>
             </a:r>
-            <a:endParaRPr lang="en-US" dirty="0"/>
           </a:p>
         </p:txBody>
       </p:sp>
@@ -6322,16 +6833,15 @@
           <a:lstStyle/>
           <a:p>
             <a:r>
-              <a:rPr lang="en-US" dirty="0" smtClean="0"/>
+              <a:rPr lang="en-US" dirty="0"/>
               <a:t>Use different visual weight. The one with stronger color will be noticed first</a:t>
             </a:r>
           </a:p>
           <a:p>
             <a:r>
-              <a:rPr lang="en-US" dirty="0" smtClean="0"/>
+              <a:rPr lang="en-US" dirty="0"/>
               <a:t>Do the contrary to the secondary buttons</a:t>
             </a:r>
-            <a:endParaRPr lang="en-US" dirty="0"/>
           </a:p>
         </p:txBody>
       </p:sp>
@@ -6345,13 +6855,6 @@
   <p:clrMapOvr>
     <a:masterClrMapping/>
   </p:clrMapOvr>
-  <p:timing>
-    <p:tnLst>
-      <p:par>
-        <p:cTn id="1" dur="indefinite" restart="never" nodeType="tmRoot"/>
-      </p:par>
-    </p:tnLst>
-  </p:timing>
 </p:sld>
 </file>
 
